--- a/files/SignalBus.pptx
+++ b/files/SignalBus.pptx
@@ -272,7 +272,7 @@
           <a:p>
             <a:fld id="{A085DA8C-2DFA-4B67-82AE-58CC9BF32151}" type="datetimeFigureOut">
               <a:rPr lang="ko-KR" altLang="en-US" smtClean="0"/>
-              <a:t>2025-05-30</a:t>
+              <a:t>2025-06-02</a:t>
             </a:fld>
             <a:endParaRPr lang="ko-KR" altLang="en-US"/>
           </a:p>
@@ -470,7 +470,7 @@
           <a:p>
             <a:fld id="{A085DA8C-2DFA-4B67-82AE-58CC9BF32151}" type="datetimeFigureOut">
               <a:rPr lang="ko-KR" altLang="en-US" smtClean="0"/>
-              <a:t>2025-05-30</a:t>
+              <a:t>2025-06-02</a:t>
             </a:fld>
             <a:endParaRPr lang="ko-KR" altLang="en-US"/>
           </a:p>
@@ -678,7 +678,7 @@
           <a:p>
             <a:fld id="{A085DA8C-2DFA-4B67-82AE-58CC9BF32151}" type="datetimeFigureOut">
               <a:rPr lang="ko-KR" altLang="en-US" smtClean="0"/>
-              <a:t>2025-05-30</a:t>
+              <a:t>2025-06-02</a:t>
             </a:fld>
             <a:endParaRPr lang="ko-KR" altLang="en-US"/>
           </a:p>
@@ -876,7 +876,7 @@
           <a:p>
             <a:fld id="{A085DA8C-2DFA-4B67-82AE-58CC9BF32151}" type="datetimeFigureOut">
               <a:rPr lang="ko-KR" altLang="en-US" smtClean="0"/>
-              <a:t>2025-05-30</a:t>
+              <a:t>2025-06-02</a:t>
             </a:fld>
             <a:endParaRPr lang="ko-KR" altLang="en-US"/>
           </a:p>
@@ -1151,7 +1151,7 @@
           <a:p>
             <a:fld id="{A085DA8C-2DFA-4B67-82AE-58CC9BF32151}" type="datetimeFigureOut">
               <a:rPr lang="ko-KR" altLang="en-US" smtClean="0"/>
-              <a:t>2025-05-30</a:t>
+              <a:t>2025-06-02</a:t>
             </a:fld>
             <a:endParaRPr lang="ko-KR" altLang="en-US"/>
           </a:p>
@@ -1416,7 +1416,7 @@
           <a:p>
             <a:fld id="{A085DA8C-2DFA-4B67-82AE-58CC9BF32151}" type="datetimeFigureOut">
               <a:rPr lang="ko-KR" altLang="en-US" smtClean="0"/>
-              <a:t>2025-05-30</a:t>
+              <a:t>2025-06-02</a:t>
             </a:fld>
             <a:endParaRPr lang="ko-KR" altLang="en-US"/>
           </a:p>
@@ -1828,7 +1828,7 @@
           <a:p>
             <a:fld id="{A085DA8C-2DFA-4B67-82AE-58CC9BF32151}" type="datetimeFigureOut">
               <a:rPr lang="ko-KR" altLang="en-US" smtClean="0"/>
-              <a:t>2025-05-30</a:t>
+              <a:t>2025-06-02</a:t>
             </a:fld>
             <a:endParaRPr lang="ko-KR" altLang="en-US"/>
           </a:p>
@@ -1969,7 +1969,7 @@
           <a:p>
             <a:fld id="{A085DA8C-2DFA-4B67-82AE-58CC9BF32151}" type="datetimeFigureOut">
               <a:rPr lang="ko-KR" altLang="en-US" smtClean="0"/>
-              <a:t>2025-05-30</a:t>
+              <a:t>2025-06-02</a:t>
             </a:fld>
             <a:endParaRPr lang="ko-KR" altLang="en-US"/>
           </a:p>
@@ -2082,7 +2082,7 @@
           <a:p>
             <a:fld id="{A085DA8C-2DFA-4B67-82AE-58CC9BF32151}" type="datetimeFigureOut">
               <a:rPr lang="ko-KR" altLang="en-US" smtClean="0"/>
-              <a:t>2025-05-30</a:t>
+              <a:t>2025-06-02</a:t>
             </a:fld>
             <a:endParaRPr lang="ko-KR" altLang="en-US"/>
           </a:p>
@@ -2393,7 +2393,7 @@
           <a:p>
             <a:fld id="{A085DA8C-2DFA-4B67-82AE-58CC9BF32151}" type="datetimeFigureOut">
               <a:rPr lang="ko-KR" altLang="en-US" smtClean="0"/>
-              <a:t>2025-05-30</a:t>
+              <a:t>2025-06-02</a:t>
             </a:fld>
             <a:endParaRPr lang="ko-KR" altLang="en-US"/>
           </a:p>
@@ -2681,7 +2681,7 @@
           <a:p>
             <a:fld id="{A085DA8C-2DFA-4B67-82AE-58CC9BF32151}" type="datetimeFigureOut">
               <a:rPr lang="ko-KR" altLang="en-US" smtClean="0"/>
-              <a:t>2025-05-30</a:t>
+              <a:t>2025-06-02</a:t>
             </a:fld>
             <a:endParaRPr lang="ko-KR" altLang="en-US"/>
           </a:p>
@@ -2922,7 +2922,7 @@
           <a:p>
             <a:fld id="{A085DA8C-2DFA-4B67-82AE-58CC9BF32151}" type="datetimeFigureOut">
               <a:rPr lang="ko-KR" altLang="en-US" smtClean="0"/>
-              <a:t>2025-05-30</a:t>
+              <a:t>2025-06-02</a:t>
             </a:fld>
             <a:endParaRPr lang="ko-KR" altLang="en-US"/>
           </a:p>
@@ -4968,23 +4968,13 @@
           <a:p>
             <a:pPr algn="ctr"/>
             <a:r>
-              <a:rPr lang="en-US" altLang="ko-KR" dirty="0">
+              <a:rPr lang="en-US" altLang="ko-KR">
                 <a:latin typeface="배스킨라빈스 R" panose="02020603020101020101" pitchFamily="18" charset="-127"/>
                 <a:ea typeface="배스킨라빈스 R" panose="02020603020101020101" pitchFamily="18" charset="-127"/>
               </a:rPr>
               <a:t>Coin</a:t>
             </a:r>
-          </a:p>
-          <a:p>
-            <a:pPr algn="ctr"/>
-            <a:r>
-              <a:rPr lang="en-US" altLang="ko-KR" dirty="0">
-                <a:latin typeface="배스킨라빈스 R" panose="02020603020101020101" pitchFamily="18" charset="-127"/>
-                <a:ea typeface="배스킨라빈스 R" panose="02020603020101020101" pitchFamily="18" charset="-127"/>
-              </a:rPr>
-              <a:t>(Singleton)</a:t>
-            </a:r>
-            <a:endParaRPr lang="ko-KR" altLang="en-US" dirty="0">
+            <a:endParaRPr lang="en-US" altLang="ko-KR" dirty="0">
               <a:latin typeface="배스킨라빈스 R" panose="02020603020101020101" pitchFamily="18" charset="-127"/>
               <a:ea typeface="배스킨라빈스 R" panose="02020603020101020101" pitchFamily="18" charset="-127"/>
             </a:endParaRPr>
@@ -5251,8 +5241,8 @@
         </p:nvSpPr>
         <p:spPr>
           <a:xfrm>
-            <a:off x="5368704" y="2333844"/>
-            <a:ext cx="1435008" cy="646331"/>
+            <a:off x="5364696" y="2333844"/>
+            <a:ext cx="1443024" cy="646331"/>
           </a:xfrm>
           <a:prstGeom prst="rect">
             <a:avLst/>
@@ -5264,6 +5254,32 @@
             <a:spAutoFit/>
           </a:bodyPr>
           <a:lstStyle/>
+          <a:p>
+            <a:pPr algn="ctr"/>
+            <a:r>
+              <a:rPr lang="en-US" altLang="ko-KR">
+                <a:solidFill>
+                  <a:schemeClr val="accent4">
+                    <a:lumMod val="60000"/>
+                    <a:lumOff val="40000"/>
+                  </a:schemeClr>
+                </a:solidFill>
+                <a:latin typeface="배스킨라빈스 R" panose="02020603020101020101" pitchFamily="18" charset="-127"/>
+                <a:ea typeface="배스킨라빈스 R" panose="02020603020101020101" pitchFamily="18" charset="-127"/>
+              </a:rPr>
+              <a:t>emit</a:t>
+            </a:r>
+            <a:endParaRPr lang="en-US" altLang="ko-KR" dirty="0">
+              <a:solidFill>
+                <a:schemeClr val="accent4">
+                  <a:lumMod val="60000"/>
+                  <a:lumOff val="40000"/>
+                </a:schemeClr>
+              </a:solidFill>
+              <a:latin typeface="배스킨라빈스 R" panose="02020603020101020101" pitchFamily="18" charset="-127"/>
+              <a:ea typeface="배스킨라빈스 R" panose="02020603020101020101" pitchFamily="18" charset="-127"/>
+            </a:endParaRPr>
+          </a:p>
           <a:p>
             <a:pPr algn="ctr"/>
             <a:r>
@@ -5277,13 +5293,10 @@
                 <a:latin typeface="배스킨라빈스 R" panose="02020603020101020101" pitchFamily="18" charset="-127"/>
                 <a:ea typeface="배스킨라빈스 R" panose="02020603020101020101" pitchFamily="18" charset="-127"/>
               </a:rPr>
-              <a:t>Emit</a:t>
-            </a:r>
-          </a:p>
-          <a:p>
-            <a:pPr algn="ctr"/>
-            <a:r>
-              <a:rPr lang="en-US" altLang="ko-KR" dirty="0">
+              <a:t>(</a:t>
+            </a:r>
+            <a:r>
+              <a:rPr lang="en-US" altLang="ko-KR">
                 <a:solidFill>
                   <a:schemeClr val="accent4">
                     <a:lumMod val="60000"/>
@@ -5293,10 +5306,10 @@
                 <a:latin typeface="배스킨라빈스 R" panose="02020603020101020101" pitchFamily="18" charset="-127"/>
                 <a:ea typeface="배스킨라빈스 R" panose="02020603020101020101" pitchFamily="18" charset="-127"/>
               </a:rPr>
-              <a:t>(Signal </a:t>
-            </a:r>
-            <a:r>
-              <a:rPr lang="ko-KR" altLang="en-US" dirty="0">
+              <a:t>Signal </a:t>
+            </a:r>
+            <a:r>
+              <a:rPr lang="ko-KR" altLang="en-US">
                 <a:solidFill>
                   <a:schemeClr val="accent4">
                     <a:lumMod val="60000"/>
@@ -5306,10 +5319,10 @@
                 <a:latin typeface="배스킨라빈스 R" panose="02020603020101020101" pitchFamily="18" charset="-127"/>
                 <a:ea typeface="배스킨라빈스 R" panose="02020603020101020101" pitchFamily="18" charset="-127"/>
               </a:rPr>
-              <a:t>발신</a:t>
-            </a:r>
-            <a:r>
-              <a:rPr lang="en-US" altLang="ko-KR" dirty="0">
+              <a:t>발산</a:t>
+            </a:r>
+            <a:r>
+              <a:rPr lang="en-US" altLang="ko-KR">
                 <a:solidFill>
                   <a:schemeClr val="accent4">
                     <a:lumMod val="60000"/>
